--- a/tomDowling_x11107049_VisualStudio/Presentation/tomDowling_x11107049_presentaion_v3.pptx
+++ b/tomDowling_x11107049_VisualStudio/Presentation/tomDowling_x11107049_presentaion_v3.pptx
@@ -233,7 +233,7 @@
           <a:p>
             <a:fld id="{2F76B62D-35DC-4254-A8EB-C9CAD8121ED4}" type="datetimeFigureOut">
               <a:rPr lang="en-IE" smtClean="0"/>
-              <a:t>29/04/2013</a:t>
+              <a:t>01/05/2013</a:t>
             </a:fld>
             <a:endParaRPr lang="en-IE"/>
           </a:p>
@@ -766,7 +766,7 @@
           <a:p>
             <a:fld id="{D5751250-E07E-4DD6-810C-DDC76926700E}" type="datetimeFigureOut">
               <a:rPr lang="en-IE" smtClean="0"/>
-              <a:t>29/04/2013</a:t>
+              <a:t>01/05/2013</a:t>
             </a:fld>
             <a:endParaRPr lang="en-IE"/>
           </a:p>
@@ -936,7 +936,7 @@
           <a:p>
             <a:fld id="{D5751250-E07E-4DD6-810C-DDC76926700E}" type="datetimeFigureOut">
               <a:rPr lang="en-IE" smtClean="0"/>
-              <a:t>29/04/2013</a:t>
+              <a:t>01/05/2013</a:t>
             </a:fld>
             <a:endParaRPr lang="en-IE"/>
           </a:p>
@@ -1116,7 +1116,7 @@
           <a:p>
             <a:fld id="{D5751250-E07E-4DD6-810C-DDC76926700E}" type="datetimeFigureOut">
               <a:rPr lang="en-IE" smtClean="0"/>
-              <a:t>29/04/2013</a:t>
+              <a:t>01/05/2013</a:t>
             </a:fld>
             <a:endParaRPr lang="en-IE"/>
           </a:p>
@@ -1286,7 +1286,7 @@
           <a:p>
             <a:fld id="{D5751250-E07E-4DD6-810C-DDC76926700E}" type="datetimeFigureOut">
               <a:rPr lang="en-IE" smtClean="0"/>
-              <a:t>29/04/2013</a:t>
+              <a:t>01/05/2013</a:t>
             </a:fld>
             <a:endParaRPr lang="en-IE"/>
           </a:p>
@@ -1532,7 +1532,7 @@
           <a:p>
             <a:fld id="{D5751250-E07E-4DD6-810C-DDC76926700E}" type="datetimeFigureOut">
               <a:rPr lang="en-IE" smtClean="0"/>
-              <a:t>29/04/2013</a:t>
+              <a:t>01/05/2013</a:t>
             </a:fld>
             <a:endParaRPr lang="en-IE"/>
           </a:p>
@@ -1820,7 +1820,7 @@
           <a:p>
             <a:fld id="{D5751250-E07E-4DD6-810C-DDC76926700E}" type="datetimeFigureOut">
               <a:rPr lang="en-IE" smtClean="0"/>
-              <a:t>29/04/2013</a:t>
+              <a:t>01/05/2013</a:t>
             </a:fld>
             <a:endParaRPr lang="en-IE"/>
           </a:p>
@@ -2242,7 +2242,7 @@
           <a:p>
             <a:fld id="{D5751250-E07E-4DD6-810C-DDC76926700E}" type="datetimeFigureOut">
               <a:rPr lang="en-IE" smtClean="0"/>
-              <a:t>29/04/2013</a:t>
+              <a:t>01/05/2013</a:t>
             </a:fld>
             <a:endParaRPr lang="en-IE"/>
           </a:p>
@@ -2360,7 +2360,7 @@
           <a:p>
             <a:fld id="{D5751250-E07E-4DD6-810C-DDC76926700E}" type="datetimeFigureOut">
               <a:rPr lang="en-IE" smtClean="0"/>
-              <a:t>29/04/2013</a:t>
+              <a:t>01/05/2013</a:t>
             </a:fld>
             <a:endParaRPr lang="en-IE"/>
           </a:p>
@@ -2455,7 +2455,7 @@
           <a:p>
             <a:fld id="{D5751250-E07E-4DD6-810C-DDC76926700E}" type="datetimeFigureOut">
               <a:rPr lang="en-IE" smtClean="0"/>
-              <a:t>29/04/2013</a:t>
+              <a:t>01/05/2013</a:t>
             </a:fld>
             <a:endParaRPr lang="en-IE"/>
           </a:p>
@@ -2732,7 +2732,7 @@
           <a:p>
             <a:fld id="{D5751250-E07E-4DD6-810C-DDC76926700E}" type="datetimeFigureOut">
               <a:rPr lang="en-IE" smtClean="0"/>
-              <a:t>29/04/2013</a:t>
+              <a:t>01/05/2013</a:t>
             </a:fld>
             <a:endParaRPr lang="en-IE"/>
           </a:p>
@@ -2985,7 +2985,7 @@
           <a:p>
             <a:fld id="{D5751250-E07E-4DD6-810C-DDC76926700E}" type="datetimeFigureOut">
               <a:rPr lang="en-IE" smtClean="0"/>
-              <a:t>29/04/2013</a:t>
+              <a:t>01/05/2013</a:t>
             </a:fld>
             <a:endParaRPr lang="en-IE"/>
           </a:p>
@@ -3198,7 +3198,7 @@
           <a:p>
             <a:fld id="{D5751250-E07E-4DD6-810C-DDC76926700E}" type="datetimeFigureOut">
               <a:rPr lang="en-IE" smtClean="0"/>
-              <a:t>29/04/2013</a:t>
+              <a:t>01/05/2013</a:t>
             </a:fld>
             <a:endParaRPr lang="en-IE"/>
           </a:p>
@@ -3586,7 +3586,7 @@
         <p:spPr>
           <a:xfrm>
             <a:off x="685800" y="980729"/>
-            <a:ext cx="7772400" cy="2016223"/>
+            <a:ext cx="7772400" cy="1979349"/>
           </a:xfrm>
         </p:spPr>
         <p:txBody>
@@ -3635,8 +3635,8 @@
         </p:nvSpPr>
         <p:spPr>
           <a:xfrm>
-            <a:off x="1547664" y="3068960"/>
-            <a:ext cx="6400800" cy="1752600"/>
+            <a:off x="1547664" y="3429000"/>
+            <a:ext cx="6400800" cy="1872208"/>
           </a:xfrm>
         </p:spPr>
         <p:txBody>
@@ -3653,7 +3653,11 @@
             <a:pPr indent="1435100" algn="l"/>
             <a:r>
               <a:rPr lang="en-IE" sz="2400" dirty="0" smtClean="0"/>
-              <a:t>(X11107049)</a:t>
+              <a:t>(</a:t>
+            </a:r>
+            <a:r>
+              <a:rPr lang="en-IE" sz="2400" dirty="0" smtClean="0"/>
+              <a:t>X11107049)</a:t>
             </a:r>
           </a:p>
           <a:p>
@@ -3665,6 +3669,66 @@
           </a:p>
           <a:p>
             <a:endParaRPr lang="en-IE" dirty="0"/>
+          </a:p>
+        </p:txBody>
+      </p:sp>
+      <p:sp>
+        <p:nvSpPr>
+          <p:cNvPr id="4" name="Rectangle 3"/>
+          <p:cNvSpPr/>
+          <p:nvPr/>
+        </p:nvSpPr>
+        <p:spPr>
+          <a:xfrm>
+            <a:off x="1043608" y="2636913"/>
+            <a:ext cx="6696744" cy="954107"/>
+          </a:xfrm>
+          <a:prstGeom prst="rect">
+            <a:avLst/>
+          </a:prstGeom>
+        </p:spPr>
+        <p:txBody>
+          <a:bodyPr wrap="square">
+            <a:spAutoFit/>
+          </a:bodyPr>
+          <a:lstStyle/>
+          <a:p>
+            <a:r>
+              <a:rPr lang="en-IE" sz="2800" dirty="0">
+                <a:solidFill>
+                  <a:schemeClr val="tx2"/>
+                </a:solidFill>
+              </a:rPr>
+              <a:t>Stock and Customer </a:t>
+            </a:r>
+            <a:r>
+              <a:rPr lang="en-IE" sz="2800" dirty="0" smtClean="0">
+                <a:solidFill>
+                  <a:schemeClr val="tx2"/>
+                </a:solidFill>
+              </a:rPr>
+              <a:t>Management System</a:t>
+            </a:r>
+            <a:r>
+              <a:rPr lang="en-IE" sz="2800" dirty="0">
+                <a:solidFill>
+                  <a:schemeClr val="accent6">
+                    <a:lumMod val="75000"/>
+                  </a:schemeClr>
+                </a:solidFill>
+              </a:rPr>
+              <a:t/>
+            </a:r>
+            <a:br>
+              <a:rPr lang="en-IE" sz="2800" dirty="0">
+                <a:solidFill>
+                  <a:schemeClr val="accent6">
+                    <a:lumMod val="75000"/>
+                  </a:schemeClr>
+                </a:solidFill>
+              </a:rPr>
+            </a:br>
+            <a:endParaRPr lang="en-IE" sz="2800" dirty="0"/>
           </a:p>
         </p:txBody>
       </p:sp>
@@ -3678,6 +3742,13 @@
   <p:clrMapOvr>
     <a:masterClrMapping/>
   </p:clrMapOvr>
+  <p:timing>
+    <p:tnLst>
+      <p:par>
+        <p:cTn id="1" dur="indefinite" restart="never" nodeType="tmRoot"/>
+      </p:par>
+    </p:tnLst>
+  </p:timing>
 </p:sld>
 </file>
 
@@ -4002,6 +4073,13 @@
   <p:clrMapOvr>
     <a:masterClrMapping/>
   </p:clrMapOvr>
+  <p:timing>
+    <p:tnLst>
+      <p:par>
+        <p:cTn id="1" dur="indefinite" restart="never" nodeType="tmRoot"/>
+      </p:par>
+    </p:tnLst>
+  </p:timing>
 </p:sld>
 </file>
 
@@ -4106,6 +4184,13 @@
   <p:clrMapOvr>
     <a:masterClrMapping/>
   </p:clrMapOvr>
+  <p:timing>
+    <p:tnLst>
+      <p:par>
+        <p:cTn id="1" dur="indefinite" restart="never" nodeType="tmRoot"/>
+      </p:par>
+    </p:tnLst>
+  </p:timing>
 </p:sld>
 </file>
 
@@ -4302,6 +4387,13 @@
   <p:clrMapOvr>
     <a:masterClrMapping/>
   </p:clrMapOvr>
+  <p:timing>
+    <p:tnLst>
+      <p:par>
+        <p:cTn id="1" dur="indefinite" restart="never" nodeType="tmRoot"/>
+      </p:par>
+    </p:tnLst>
+  </p:timing>
 </p:sld>
 </file>
 
@@ -4498,6 +4590,13 @@
   <p:clrMapOvr>
     <a:masterClrMapping/>
   </p:clrMapOvr>
+  <p:timing>
+    <p:tnLst>
+      <p:par>
+        <p:cTn id="1" dur="indefinite" restart="never" nodeType="tmRoot"/>
+      </p:par>
+    </p:tnLst>
+  </p:timing>
 </p:sld>
 </file>
 
@@ -4614,6 +4713,13 @@
   <p:clrMapOvr>
     <a:masterClrMapping/>
   </p:clrMapOvr>
+  <p:timing>
+    <p:tnLst>
+      <p:par>
+        <p:cTn id="1" dur="indefinite" restart="never" nodeType="tmRoot"/>
+      </p:par>
+    </p:tnLst>
+  </p:timing>
 </p:sld>
 </file>
 
@@ -4778,6 +4884,13 @@
   <p:clrMapOvr>
     <a:masterClrMapping/>
   </p:clrMapOvr>
+  <p:timing>
+    <p:tnLst>
+      <p:par>
+        <p:cTn id="1" dur="indefinite" restart="never" nodeType="tmRoot"/>
+      </p:par>
+    </p:tnLst>
+  </p:timing>
 </p:sld>
 </file>
 
@@ -4901,6 +5014,13 @@
   <p:clrMapOvr>
     <a:masterClrMapping/>
   </p:clrMapOvr>
+  <p:timing>
+    <p:tnLst>
+      <p:par>
+        <p:cTn id="1" dur="indefinite" restart="never" nodeType="tmRoot"/>
+      </p:par>
+    </p:tnLst>
+  </p:timing>
 </p:sld>
 </file>
 
@@ -5029,6 +5149,13 @@
   <p:clrMapOvr>
     <a:masterClrMapping/>
   </p:clrMapOvr>
+  <p:timing>
+    <p:tnLst>
+      <p:par>
+        <p:cTn id="1" dur="indefinite" restart="never" nodeType="tmRoot"/>
+      </p:par>
+    </p:tnLst>
+  </p:timing>
 </p:sld>
 </file>
 
@@ -5133,6 +5260,13 @@
   <p:clrMapOvr>
     <a:masterClrMapping/>
   </p:clrMapOvr>
+  <p:timing>
+    <p:tnLst>
+      <p:par>
+        <p:cTn id="1" dur="indefinite" restart="never" nodeType="tmRoot"/>
+      </p:par>
+    </p:tnLst>
+  </p:timing>
 </p:sld>
 </file>
 
@@ -5254,6 +5388,13 @@
   <p:clrMapOvr>
     <a:masterClrMapping/>
   </p:clrMapOvr>
+  <p:timing>
+    <p:tnLst>
+      <p:par>
+        <p:cTn id="1" dur="indefinite" restart="never" nodeType="tmRoot"/>
+      </p:par>
+    </p:tnLst>
+  </p:timing>
 </p:sld>
 </file>
 
@@ -5358,6 +5499,13 @@
   <p:clrMapOvr>
     <a:masterClrMapping/>
   </p:clrMapOvr>
+  <p:timing>
+    <p:tnLst>
+      <p:par>
+        <p:cTn id="1" dur="indefinite" restart="never" nodeType="tmRoot"/>
+      </p:par>
+    </p:tnLst>
+  </p:timing>
 </p:sld>
 </file>
 
@@ -5606,6 +5754,13 @@
   <p:clrMapOvr>
     <a:masterClrMapping/>
   </p:clrMapOvr>
+  <p:timing>
+    <p:tnLst>
+      <p:par>
+        <p:cTn id="1" dur="indefinite" restart="never" nodeType="tmRoot"/>
+      </p:par>
+    </p:tnLst>
+  </p:timing>
 </p:sld>
 </file>
 
@@ -5854,6 +6009,13 @@
   <p:clrMapOvr>
     <a:masterClrMapping/>
   </p:clrMapOvr>
+  <p:timing>
+    <p:tnLst>
+      <p:par>
+        <p:cTn id="1" dur="indefinite" restart="never" nodeType="tmRoot"/>
+      </p:par>
+    </p:tnLst>
+  </p:timing>
 </p:sld>
 </file>
 
@@ -6026,6 +6188,13 @@
   <p:clrMapOvr>
     <a:masterClrMapping/>
   </p:clrMapOvr>
+  <p:timing>
+    <p:tnLst>
+      <p:par>
+        <p:cTn id="1" dur="indefinite" restart="never" nodeType="tmRoot"/>
+      </p:par>
+    </p:tnLst>
+  </p:timing>
 </p:sld>
 </file>
 
@@ -6148,6 +6317,13 @@
   <p:clrMapOvr>
     <a:masterClrMapping/>
   </p:clrMapOvr>
+  <p:timing>
+    <p:tnLst>
+      <p:par>
+        <p:cTn id="1" dur="indefinite" restart="never" nodeType="tmRoot"/>
+      </p:par>
+    </p:tnLst>
+  </p:timing>
 </p:sld>
 </file>
 
@@ -6313,6 +6489,13 @@
   <p:clrMapOvr>
     <a:masterClrMapping/>
   </p:clrMapOvr>
+  <p:timing>
+    <p:tnLst>
+      <p:par>
+        <p:cTn id="1" dur="indefinite" restart="never" nodeType="tmRoot"/>
+      </p:par>
+    </p:tnLst>
+  </p:timing>
 </p:sld>
 </file>
 
@@ -6441,6 +6624,13 @@
   <p:clrMapOvr>
     <a:masterClrMapping/>
   </p:clrMapOvr>
+  <p:timing>
+    <p:tnLst>
+      <p:par>
+        <p:cTn id="1" dur="indefinite" restart="never" nodeType="tmRoot"/>
+      </p:par>
+    </p:tnLst>
+  </p:timing>
 </p:sld>
 </file>
 
@@ -6545,6 +6735,13 @@
   <p:clrMapOvr>
     <a:masterClrMapping/>
   </p:clrMapOvr>
+  <p:timing>
+    <p:tnLst>
+      <p:par>
+        <p:cTn id="1" dur="indefinite" restart="never" nodeType="tmRoot"/>
+      </p:par>
+    </p:tnLst>
+  </p:timing>
 </p:sld>
 </file>
 
@@ -6686,6 +6883,13 @@
   <p:clrMapOvr>
     <a:masterClrMapping/>
   </p:clrMapOvr>
+  <p:timing>
+    <p:tnLst>
+      <p:par>
+        <p:cTn id="1" dur="indefinite" restart="never" nodeType="tmRoot"/>
+      </p:par>
+    </p:tnLst>
+  </p:timing>
 </p:sld>
 </file>
 
@@ -6851,6 +7055,13 @@
   <p:clrMapOvr>
     <a:masterClrMapping/>
   </p:clrMapOvr>
+  <p:timing>
+    <p:tnLst>
+      <p:par>
+        <p:cTn id="1" dur="indefinite" restart="never" nodeType="tmRoot"/>
+      </p:par>
+    </p:tnLst>
+  </p:timing>
 </p:sld>
 </file>
 
@@ -7007,6 +7218,13 @@
   <p:clrMapOvr>
     <a:masterClrMapping/>
   </p:clrMapOvr>
+  <p:timing>
+    <p:tnLst>
+      <p:par>
+        <p:cTn id="1" dur="indefinite" restart="never" nodeType="tmRoot"/>
+      </p:par>
+    </p:tnLst>
+  </p:timing>
 </p:sld>
 </file>
 
@@ -7187,6 +7405,13 @@
   <p:clrMapOvr>
     <a:masterClrMapping/>
   </p:clrMapOvr>
+  <p:timing>
+    <p:tnLst>
+      <p:par>
+        <p:cTn id="1" dur="indefinite" restart="never" nodeType="tmRoot"/>
+      </p:par>
+    </p:tnLst>
+  </p:timing>
 </p:sld>
 </file>
 
@@ -7327,6 +7552,13 @@
   <p:clrMapOvr>
     <a:masterClrMapping/>
   </p:clrMapOvr>
+  <p:timing>
+    <p:tnLst>
+      <p:par>
+        <p:cTn id="1" dur="indefinite" restart="never" nodeType="tmRoot"/>
+      </p:par>
+    </p:tnLst>
+  </p:timing>
 </p:sld>
 </file>
 
@@ -7431,6 +7663,13 @@
   <p:clrMapOvr>
     <a:masterClrMapping/>
   </p:clrMapOvr>
+  <p:timing>
+    <p:tnLst>
+      <p:par>
+        <p:cTn id="1" dur="indefinite" restart="never" nodeType="tmRoot"/>
+      </p:par>
+    </p:tnLst>
+  </p:timing>
 </p:sld>
 </file>
 
@@ -7547,6 +7786,13 @@
   <p:clrMapOvr>
     <a:masterClrMapping/>
   </p:clrMapOvr>
+  <p:timing>
+    <p:tnLst>
+      <p:par>
+        <p:cTn id="1" dur="indefinite" restart="never" nodeType="tmRoot"/>
+      </p:par>
+    </p:tnLst>
+  </p:timing>
 </p:sld>
 </file>
 
@@ -7700,6 +7946,13 @@
   <p:clrMapOvr>
     <a:masterClrMapping/>
   </p:clrMapOvr>
+  <p:timing>
+    <p:tnLst>
+      <p:par>
+        <p:cTn id="1" dur="indefinite" restart="never" nodeType="tmRoot"/>
+      </p:par>
+    </p:tnLst>
+  </p:timing>
 </p:sld>
 </file>
 
@@ -7941,6 +8194,13 @@
   <p:clrMapOvr>
     <a:masterClrMapping/>
   </p:clrMapOvr>
+  <p:timing>
+    <p:tnLst>
+      <p:par>
+        <p:cTn id="1" dur="indefinite" restart="never" nodeType="tmRoot"/>
+      </p:par>
+    </p:tnLst>
+  </p:timing>
 </p:sld>
 </file>
 
@@ -8238,6 +8498,13 @@
   <p:clrMapOvr>
     <a:masterClrMapping/>
   </p:clrMapOvr>
+  <p:timing>
+    <p:tnLst>
+      <p:par>
+        <p:cTn id="1" dur="indefinite" restart="never" nodeType="tmRoot"/>
+      </p:par>
+    </p:tnLst>
+  </p:timing>
 </p:sld>
 </file>
 
@@ -8342,6 +8609,13 @@
   <p:clrMapOvr>
     <a:masterClrMapping/>
   </p:clrMapOvr>
+  <p:timing>
+    <p:tnLst>
+      <p:par>
+        <p:cTn id="1" dur="indefinite" restart="never" nodeType="tmRoot"/>
+      </p:par>
+    </p:tnLst>
+  </p:timing>
 </p:sld>
 </file>
 
@@ -8634,6 +8908,13 @@
   <p:clrMapOvr>
     <a:masterClrMapping/>
   </p:clrMapOvr>
+  <p:timing>
+    <p:tnLst>
+      <p:par>
+        <p:cTn id="1" dur="indefinite" restart="never" nodeType="tmRoot"/>
+      </p:par>
+    </p:tnLst>
+  </p:timing>
 </p:sld>
 </file>
 
@@ -8780,6 +9061,13 @@
   <p:clrMapOvr>
     <a:masterClrMapping/>
   </p:clrMapOvr>
+  <p:timing>
+    <p:tnLst>
+      <p:par>
+        <p:cTn id="1" dur="indefinite" restart="never" nodeType="tmRoot"/>
+      </p:par>
+    </p:tnLst>
+  </p:timing>
 </p:sld>
 </file>
 
@@ -9375,6 +9663,13 @@
   <p:clrMapOvr>
     <a:masterClrMapping/>
   </p:clrMapOvr>
+  <p:timing>
+    <p:tnLst>
+      <p:par>
+        <p:cTn id="1" dur="indefinite" restart="never" nodeType="tmRoot"/>
+      </p:par>
+    </p:tnLst>
+  </p:timing>
 </p:sld>
 </file>
 
@@ -9555,6 +9850,13 @@
   <p:clrMapOvr>
     <a:masterClrMapping/>
   </p:clrMapOvr>
+  <p:timing>
+    <p:tnLst>
+      <p:par>
+        <p:cTn id="1" dur="indefinite" restart="never" nodeType="tmRoot"/>
+      </p:par>
+    </p:tnLst>
+  </p:timing>
 </p:sld>
 </file>
 
@@ -9875,6 +10177,13 @@
   <p:clrMapOvr>
     <a:masterClrMapping/>
   </p:clrMapOvr>
+  <p:timing>
+    <p:tnLst>
+      <p:par>
+        <p:cTn id="1" dur="indefinite" restart="never" nodeType="tmRoot"/>
+      </p:par>
+    </p:tnLst>
+  </p:timing>
 </p:sld>
 </file>
 
@@ -10191,6 +10500,13 @@
   <p:clrMapOvr>
     <a:masterClrMapping/>
   </p:clrMapOvr>
+  <p:timing>
+    <p:tnLst>
+      <p:par>
+        <p:cTn id="1" dur="indefinite" restart="never" nodeType="tmRoot"/>
+      </p:par>
+    </p:tnLst>
+  </p:timing>
 </p:sld>
 </file>
 
@@ -10507,6 +10823,13 @@
   <p:clrMapOvr>
     <a:masterClrMapping/>
   </p:clrMapOvr>
+  <p:timing>
+    <p:tnLst>
+      <p:par>
+        <p:cTn id="1" dur="indefinite" restart="never" nodeType="tmRoot"/>
+      </p:par>
+    </p:tnLst>
+  </p:timing>
 </p:sld>
 </file>
 
@@ -10636,6 +10959,13 @@
   <p:clrMapOvr>
     <a:masterClrMapping/>
   </p:clrMapOvr>
+  <p:timing>
+    <p:tnLst>
+      <p:par>
+        <p:cTn id="1" dur="indefinite" restart="never" nodeType="tmRoot"/>
+      </p:par>
+    </p:tnLst>
+  </p:timing>
 </p:sld>
 </file>
 
@@ -10824,6 +11154,13 @@
   <p:clrMapOvr>
     <a:masterClrMapping/>
   </p:clrMapOvr>
+  <p:timing>
+    <p:tnLst>
+      <p:par>
+        <p:cTn id="1" dur="indefinite" restart="never" nodeType="tmRoot"/>
+      </p:par>
+    </p:tnLst>
+  </p:timing>
 </p:sld>
 </file>
 
@@ -11015,6 +11352,13 @@
   <p:clrMapOvr>
     <a:masterClrMapping/>
   </p:clrMapOvr>
+  <p:timing>
+    <p:tnLst>
+      <p:par>
+        <p:cTn id="1" dur="indefinite" restart="never" nodeType="tmRoot"/>
+      </p:par>
+    </p:tnLst>
+  </p:timing>
 </p:sld>
 </file>
 
@@ -11183,6 +11527,13 @@
   <p:clrMapOvr>
     <a:masterClrMapping/>
   </p:clrMapOvr>
+  <p:timing>
+    <p:tnLst>
+      <p:par>
+        <p:cTn id="1" dur="indefinite" restart="never" nodeType="tmRoot"/>
+      </p:par>
+    </p:tnLst>
+  </p:timing>
 </p:sld>
 </file>
 
@@ -11304,6 +11655,13 @@
   <p:clrMapOvr>
     <a:masterClrMapping/>
   </p:clrMapOvr>
+  <p:timing>
+    <p:tnLst>
+      <p:par>
+        <p:cTn id="1" dur="indefinite" restart="never" nodeType="tmRoot"/>
+      </p:par>
+    </p:tnLst>
+  </p:timing>
 </p:sld>
 </file>
 
